--- a/ForceTree/数据库/MySQL/Images/MySQL 相关配图.pptx
+++ b/ForceTree/数据库/MySQL/Images/MySQL 相关配图.pptx
@@ -20,6 +20,7 @@
     <p:sldId id="265" r:id="rId12"/>
     <p:sldId id="266" r:id="rId14"/>
     <p:sldId id="267" r:id="rId15"/>
+    <p:sldId id="268" r:id="rId16"/>
   </p:sldIdLst>
   <p:sldSz cx="12192000" cy="6858000"/>
   <p:notesSz cx="7103745" cy="10234295"/>
@@ -557,6 +558,50 @@
 </file>
 
 <file path=ppt/notesSlides/notesSlide3.xml><?xml version="1.0" encoding="utf-8"?>
+<p:notes xmlns:a="http://schemas.openxmlformats.org/drawingml/2006/main" xmlns:r="http://schemas.openxmlformats.org/officeDocument/2006/relationships" xmlns:p="http://schemas.openxmlformats.org/presentationml/2006/main">
+  <p:cSld>
+    <p:spTree>
+      <p:nvGrpSpPr>
+        <p:cNvPr id="1" name=""/>
+        <p:cNvGrpSpPr/>
+        <p:nvPr/>
+      </p:nvGrpSpPr>
+      <p:grpSpPr/>
+      <p:sp>
+        <p:nvSpPr>
+          <p:cNvPr id="2" name="幻灯片图像占位符 1"/>
+          <p:cNvSpPr/>
+          <p:nvPr>
+            <p:ph type="sldImg" idx="2"/>
+          </p:nvPr>
+        </p:nvSpPr>
+        <p:spPr/>
+      </p:sp>
+      <p:sp>
+        <p:nvSpPr>
+          <p:cNvPr id="3" name="文本占位符 2"/>
+          <p:cNvSpPr/>
+          <p:nvPr>
+            <p:ph type="body" idx="3"/>
+          </p:nvPr>
+        </p:nvSpPr>
+        <p:spPr/>
+        <p:txBody>
+          <a:bodyPr/>
+          <a:p>
+            <a:endParaRPr lang="zh-CN" altLang="en-US"/>
+          </a:p>
+        </p:txBody>
+      </p:sp>
+    </p:spTree>
+  </p:cSld>
+  <p:clrMapOvr>
+    <a:masterClrMapping/>
+  </p:clrMapOvr>
+</p:notes>
+</file>
+
+<file path=ppt/notesSlides/notesSlide4.xml><?xml version="1.0" encoding="utf-8"?>
 <p:notes xmlns:a="http://schemas.openxmlformats.org/drawingml/2006/main" xmlns:r="http://schemas.openxmlformats.org/officeDocument/2006/relationships" xmlns:p="http://schemas.openxmlformats.org/presentationml/2006/main">
   <p:cSld>
     <p:spTree>
@@ -7612,8 +7657,8 @@
         </p:nvGrpSpPr>
         <p:grpSpPr>
           <a:xfrm>
-            <a:off x="1647190" y="1085215"/>
-            <a:ext cx="893445" cy="4537075"/>
+            <a:off x="3389630" y="467995"/>
+            <a:ext cx="893445" cy="5922645"/>
             <a:chOff x="3376" y="1694"/>
             <a:chExt cx="1407" cy="7145"/>
           </a:xfrm>
@@ -7652,13 +7697,14 @@
             <a:p>
               <a:pPr algn="ctr"/>
               <a:r>
-                <a:rPr lang="en-US" altLang="zh-CN" sz="1200">
+                <a:rPr lang="en-US" altLang="zh-CN" sz="900">
                   <a:latin typeface="微软雅黑" charset="0"/>
                   <a:ea typeface="微软雅黑" charset="0"/>
+                  <a:sym typeface="+mn-ea"/>
                 </a:rPr>
-                <a:t>Session</a:t>
+                <a:t>Transaction2</a:t>
               </a:r>
-              <a:endParaRPr lang="en-US" altLang="zh-CN" sz="1200">
+              <a:endParaRPr lang="en-US" altLang="zh-CN" sz="900">
                 <a:latin typeface="微软雅黑" charset="0"/>
                 <a:ea typeface="微软雅黑" charset="0"/>
               </a:endParaRPr>
@@ -7715,8 +7761,8 @@
         </p:nvGrpSpPr>
         <p:grpSpPr>
           <a:xfrm>
-            <a:off x="3667125" y="1085215"/>
-            <a:ext cx="893445" cy="4537075"/>
+            <a:off x="5425440" y="467995"/>
+            <a:ext cx="893445" cy="5922645"/>
             <a:chOff x="3376" y="1694"/>
             <a:chExt cx="1407" cy="7145"/>
           </a:xfrm>
@@ -7818,8 +7864,8 @@
         </p:nvGrpSpPr>
         <p:grpSpPr>
           <a:xfrm>
-            <a:off x="5687060" y="1085215"/>
-            <a:ext cx="1002665" cy="4537075"/>
+            <a:off x="7461250" y="467995"/>
+            <a:ext cx="1002665" cy="5922645"/>
             <a:chOff x="3376" y="1694"/>
             <a:chExt cx="1579" cy="7145"/>
           </a:xfrm>
@@ -7921,8 +7967,8 @@
         </p:nvGrpSpPr>
         <p:grpSpPr>
           <a:xfrm>
-            <a:off x="7816215" y="1085215"/>
-            <a:ext cx="894080" cy="4537075"/>
+            <a:off x="9606280" y="467995"/>
+            <a:ext cx="894080" cy="5922645"/>
             <a:chOff x="3376" y="1694"/>
             <a:chExt cx="1408" cy="7145"/>
           </a:xfrm>
@@ -8016,6 +8062,1031 @@
           </p:style>
         </p:cxnSp>
       </p:grpSp>
+      <p:grpSp>
+        <p:nvGrpSpPr>
+          <p:cNvPr id="5" name="组合 4"/>
+          <p:cNvGrpSpPr/>
+          <p:nvPr/>
+        </p:nvGrpSpPr>
+        <p:grpSpPr>
+          <a:xfrm>
+            <a:off x="1353820" y="467995"/>
+            <a:ext cx="893445" cy="5922645"/>
+            <a:chOff x="3376" y="1694"/>
+            <a:chExt cx="1407" cy="7145"/>
+          </a:xfrm>
+        </p:grpSpPr>
+        <p:sp>
+          <p:nvSpPr>
+            <p:cNvPr id="7" name="矩形 6"/>
+            <p:cNvSpPr/>
+            <p:nvPr/>
+          </p:nvSpPr>
+          <p:spPr>
+            <a:xfrm>
+              <a:off x="3376" y="1694"/>
+              <a:ext cx="1407" cy="432"/>
+            </a:xfrm>
+            <a:prstGeom prst="rect">
+              <a:avLst/>
+            </a:prstGeom>
+          </p:spPr>
+          <p:style>
+            <a:lnRef idx="2">
+              <a:schemeClr val="accent3"/>
+            </a:lnRef>
+            <a:fillRef idx="1">
+              <a:schemeClr val="lt1"/>
+            </a:fillRef>
+            <a:effectRef idx="0">
+              <a:schemeClr val="accent3"/>
+            </a:effectRef>
+            <a:fontRef idx="minor">
+              <a:schemeClr val="dk1"/>
+            </a:fontRef>
+          </p:style>
+          <p:txBody>
+            <a:bodyPr rtlCol="0" anchor="ctr"/>
+            <a:p>
+              <a:pPr algn="ctr"/>
+              <a:r>
+                <a:rPr lang="en-US" altLang="zh-CN" sz="900">
+                  <a:latin typeface="微软雅黑" charset="0"/>
+                  <a:ea typeface="微软雅黑" charset="0"/>
+                  <a:sym typeface="+mn-ea"/>
+                </a:rPr>
+                <a:t>Transaction1</a:t>
+              </a:r>
+              <a:endParaRPr lang="en-US" altLang="zh-CN" sz="900">
+                <a:latin typeface="微软雅黑" charset="0"/>
+                <a:ea typeface="微软雅黑" charset="0"/>
+              </a:endParaRPr>
+            </a:p>
+          </p:txBody>
+        </p:sp>
+        <p:cxnSp>
+          <p:nvCxnSpPr>
+            <p:cNvPr id="8" name="直接连接符 7"/>
+            <p:cNvCxnSpPr>
+              <a:stCxn id="7" idx="2"/>
+            </p:cNvCxnSpPr>
+            <p:nvPr/>
+          </p:nvCxnSpPr>
+          <p:spPr>
+            <a:xfrm>
+              <a:off x="4080" y="2126"/>
+              <a:ext cx="0" cy="6713"/>
+            </a:xfrm>
+            <a:prstGeom prst="line">
+              <a:avLst/>
+            </a:prstGeom>
+            <a:ln w="12700" cmpd="sng">
+              <a:solidFill>
+                <a:schemeClr val="tx1">
+                  <a:lumMod val="50000"/>
+                  <a:lumOff val="50000"/>
+                </a:schemeClr>
+              </a:solidFill>
+              <a:prstDash val="dash"/>
+            </a:ln>
+          </p:spPr>
+          <p:style>
+            <a:lnRef idx="1">
+              <a:schemeClr val="accent1"/>
+            </a:lnRef>
+            <a:fillRef idx="0">
+              <a:schemeClr val="accent1"/>
+            </a:fillRef>
+            <a:effectRef idx="0">
+              <a:schemeClr val="accent1"/>
+            </a:effectRef>
+            <a:fontRef idx="minor">
+              <a:schemeClr val="tx1"/>
+            </a:fontRef>
+          </p:style>
+        </p:cxnSp>
+      </p:grpSp>
+      <p:grpSp>
+        <p:nvGrpSpPr>
+          <p:cNvPr id="9" name="组合 8"/>
+          <p:cNvGrpSpPr/>
+          <p:nvPr/>
+        </p:nvGrpSpPr>
+        <p:grpSpPr>
+          <a:xfrm>
+            <a:off x="1814195" y="750570"/>
+            <a:ext cx="8227695" cy="275590"/>
+            <a:chOff x="3291" y="2178"/>
+            <a:chExt cx="3164" cy="434"/>
+          </a:xfrm>
+        </p:grpSpPr>
+        <p:cxnSp>
+          <p:nvCxnSpPr>
+            <p:cNvPr id="10" name="直接箭头连接符 9"/>
+            <p:cNvCxnSpPr/>
+            <p:nvPr/>
+          </p:nvCxnSpPr>
+          <p:spPr>
+            <a:xfrm>
+              <a:off x="3291" y="2612"/>
+              <a:ext cx="3164" cy="0"/>
+            </a:xfrm>
+            <a:prstGeom prst="straightConnector1">
+              <a:avLst/>
+            </a:prstGeom>
+            <a:ln>
+              <a:solidFill>
+                <a:schemeClr val="tx1"/>
+              </a:solidFill>
+              <a:tailEnd type="triangle"/>
+            </a:ln>
+          </p:spPr>
+          <p:style>
+            <a:lnRef idx="1">
+              <a:schemeClr val="accent1"/>
+            </a:lnRef>
+            <a:fillRef idx="0">
+              <a:schemeClr val="accent1"/>
+            </a:fillRef>
+            <a:effectRef idx="0">
+              <a:schemeClr val="accent1"/>
+            </a:effectRef>
+            <a:fontRef idx="minor">
+              <a:schemeClr val="tx1"/>
+            </a:fontRef>
+          </p:style>
+        </p:cxnSp>
+        <p:sp>
+          <p:nvSpPr>
+            <p:cNvPr id="14" name="文本框 13"/>
+            <p:cNvSpPr txBox="1"/>
+            <p:nvPr/>
+          </p:nvSpPr>
+          <p:spPr>
+            <a:xfrm>
+              <a:off x="4587" y="2178"/>
+              <a:ext cx="1261" cy="434"/>
+            </a:xfrm>
+            <a:prstGeom prst="rect">
+              <a:avLst/>
+            </a:prstGeom>
+            <a:noFill/>
+          </p:spPr>
+          <p:txBody>
+            <a:bodyPr wrap="square" rtlCol="0">
+              <a:spAutoFit/>
+            </a:bodyPr>
+            <a:p>
+              <a:pPr algn="ctr"/>
+              <a:r>
+                <a:rPr lang="en-US" altLang="zh-CN" sz="1200"/>
+                <a:t>prepare</a:t>
+              </a:r>
+              <a:endParaRPr lang="en-US" altLang="zh-CN" sz="1200"/>
+            </a:p>
+          </p:txBody>
+        </p:sp>
+      </p:grpSp>
+      <p:grpSp>
+        <p:nvGrpSpPr>
+          <p:cNvPr id="16" name="组合 15"/>
+          <p:cNvGrpSpPr/>
+          <p:nvPr/>
+        </p:nvGrpSpPr>
+        <p:grpSpPr>
+          <a:xfrm>
+            <a:off x="5863590" y="1116965"/>
+            <a:ext cx="4178300" cy="275590"/>
+            <a:chOff x="3291" y="2178"/>
+            <a:chExt cx="3164" cy="434"/>
+          </a:xfrm>
+        </p:grpSpPr>
+        <p:cxnSp>
+          <p:nvCxnSpPr>
+            <p:cNvPr id="19" name="直接箭头连接符 18"/>
+            <p:cNvCxnSpPr/>
+            <p:nvPr/>
+          </p:nvCxnSpPr>
+          <p:spPr>
+            <a:xfrm>
+              <a:off x="3291" y="2612"/>
+              <a:ext cx="3164" cy="0"/>
+            </a:xfrm>
+            <a:prstGeom prst="straightConnector1">
+              <a:avLst/>
+            </a:prstGeom>
+            <a:ln>
+              <a:solidFill>
+                <a:schemeClr val="tx1"/>
+              </a:solidFill>
+              <a:tailEnd type="triangle"/>
+            </a:ln>
+          </p:spPr>
+          <p:style>
+            <a:lnRef idx="1">
+              <a:schemeClr val="accent1"/>
+            </a:lnRef>
+            <a:fillRef idx="0">
+              <a:schemeClr val="accent1"/>
+            </a:fillRef>
+            <a:effectRef idx="0">
+              <a:schemeClr val="accent1"/>
+            </a:effectRef>
+            <a:fontRef idx="minor">
+              <a:schemeClr val="tx1"/>
+            </a:fontRef>
+          </p:style>
+        </p:cxnSp>
+        <p:sp>
+          <p:nvSpPr>
+            <p:cNvPr id="25" name="文本框 24"/>
+            <p:cNvSpPr txBox="1"/>
+            <p:nvPr/>
+          </p:nvSpPr>
+          <p:spPr>
+            <a:xfrm>
+              <a:off x="4587" y="2178"/>
+              <a:ext cx="1261" cy="434"/>
+            </a:xfrm>
+            <a:prstGeom prst="rect">
+              <a:avLst/>
+            </a:prstGeom>
+            <a:noFill/>
+          </p:spPr>
+          <p:txBody>
+            <a:bodyPr wrap="square" rtlCol="0">
+              <a:spAutoFit/>
+            </a:bodyPr>
+            <a:p>
+              <a:pPr algn="ctr"/>
+              <a:r>
+                <a:rPr lang="en-US" altLang="zh-CN" sz="1200"/>
+                <a:t>prepare</a:t>
+              </a:r>
+              <a:endParaRPr lang="en-US" altLang="zh-CN" sz="1200"/>
+            </a:p>
+          </p:txBody>
+        </p:sp>
+      </p:grpSp>
+      <p:grpSp>
+        <p:nvGrpSpPr>
+          <p:cNvPr id="26" name="组合 25"/>
+          <p:cNvGrpSpPr/>
+          <p:nvPr/>
+        </p:nvGrpSpPr>
+        <p:grpSpPr>
+          <a:xfrm>
+            <a:off x="3813810" y="1483360"/>
+            <a:ext cx="6228080" cy="275590"/>
+            <a:chOff x="3291" y="2178"/>
+            <a:chExt cx="3164" cy="434"/>
+          </a:xfrm>
+        </p:grpSpPr>
+        <p:cxnSp>
+          <p:nvCxnSpPr>
+            <p:cNvPr id="27" name="直接箭头连接符 26"/>
+            <p:cNvCxnSpPr/>
+            <p:nvPr/>
+          </p:nvCxnSpPr>
+          <p:spPr>
+            <a:xfrm>
+              <a:off x="3291" y="2612"/>
+              <a:ext cx="3164" cy="0"/>
+            </a:xfrm>
+            <a:prstGeom prst="straightConnector1">
+              <a:avLst/>
+            </a:prstGeom>
+            <a:ln>
+              <a:solidFill>
+                <a:schemeClr val="tx1"/>
+              </a:solidFill>
+              <a:tailEnd type="triangle"/>
+            </a:ln>
+          </p:spPr>
+          <p:style>
+            <a:lnRef idx="1">
+              <a:schemeClr val="accent1"/>
+            </a:lnRef>
+            <a:fillRef idx="0">
+              <a:schemeClr val="accent1"/>
+            </a:fillRef>
+            <a:effectRef idx="0">
+              <a:schemeClr val="accent1"/>
+            </a:effectRef>
+            <a:fontRef idx="minor">
+              <a:schemeClr val="tx1"/>
+            </a:fontRef>
+          </p:style>
+        </p:cxnSp>
+        <p:sp>
+          <p:nvSpPr>
+            <p:cNvPr id="28" name="文本框 27"/>
+            <p:cNvSpPr txBox="1"/>
+            <p:nvPr/>
+          </p:nvSpPr>
+          <p:spPr>
+            <a:xfrm>
+              <a:off x="4587" y="2178"/>
+              <a:ext cx="1261" cy="434"/>
+            </a:xfrm>
+            <a:prstGeom prst="rect">
+              <a:avLst/>
+            </a:prstGeom>
+            <a:noFill/>
+          </p:spPr>
+          <p:txBody>
+            <a:bodyPr wrap="square" rtlCol="0">
+              <a:spAutoFit/>
+            </a:bodyPr>
+            <a:p>
+              <a:pPr algn="ctr"/>
+              <a:r>
+                <a:rPr lang="en-US" altLang="zh-CN" sz="1200"/>
+                <a:t>prepare</a:t>
+              </a:r>
+              <a:endParaRPr lang="en-US" altLang="zh-CN" sz="1200"/>
+            </a:p>
+          </p:txBody>
+        </p:sp>
+      </p:grpSp>
+      <p:grpSp>
+        <p:nvGrpSpPr>
+          <p:cNvPr id="29" name="组合 28"/>
+          <p:cNvGrpSpPr/>
+          <p:nvPr/>
+        </p:nvGrpSpPr>
+        <p:grpSpPr>
+          <a:xfrm>
+            <a:off x="1816100" y="2256790"/>
+            <a:ext cx="6151245" cy="275590"/>
+            <a:chOff x="3291" y="2178"/>
+            <a:chExt cx="3164" cy="434"/>
+          </a:xfrm>
+        </p:grpSpPr>
+        <p:cxnSp>
+          <p:nvCxnSpPr>
+            <p:cNvPr id="30" name="直接箭头连接符 29"/>
+            <p:cNvCxnSpPr/>
+            <p:nvPr/>
+          </p:nvCxnSpPr>
+          <p:spPr>
+            <a:xfrm>
+              <a:off x="3291" y="2612"/>
+              <a:ext cx="3164" cy="0"/>
+            </a:xfrm>
+            <a:prstGeom prst="straightConnector1">
+              <a:avLst/>
+            </a:prstGeom>
+            <a:ln>
+              <a:solidFill>
+                <a:schemeClr val="tx1"/>
+              </a:solidFill>
+              <a:tailEnd type="triangle"/>
+            </a:ln>
+          </p:spPr>
+          <p:style>
+            <a:lnRef idx="1">
+              <a:schemeClr val="accent1"/>
+            </a:lnRef>
+            <a:fillRef idx="0">
+              <a:schemeClr val="accent1"/>
+            </a:fillRef>
+            <a:effectRef idx="0">
+              <a:schemeClr val="accent1"/>
+            </a:effectRef>
+            <a:fontRef idx="minor">
+              <a:schemeClr val="tx1"/>
+            </a:fontRef>
+          </p:style>
+        </p:cxnSp>
+        <p:sp>
+          <p:nvSpPr>
+            <p:cNvPr id="31" name="文本框 30"/>
+            <p:cNvSpPr txBox="1"/>
+            <p:nvPr/>
+          </p:nvSpPr>
+          <p:spPr>
+            <a:xfrm>
+              <a:off x="4545" y="2178"/>
+              <a:ext cx="1261" cy="434"/>
+            </a:xfrm>
+            <a:prstGeom prst="rect">
+              <a:avLst/>
+            </a:prstGeom>
+            <a:noFill/>
+          </p:spPr>
+          <p:txBody>
+            <a:bodyPr wrap="square" rtlCol="0">
+              <a:spAutoFit/>
+            </a:bodyPr>
+            <a:p>
+              <a:pPr algn="ctr"/>
+              <a:r>
+                <a:rPr lang="en-US" altLang="zh-CN" sz="1200"/>
+                <a:t>write@100</a:t>
+              </a:r>
+              <a:endParaRPr lang="en-US" altLang="zh-CN" sz="1200"/>
+            </a:p>
+          </p:txBody>
+        </p:sp>
+      </p:grpSp>
+      <p:grpSp>
+        <p:nvGrpSpPr>
+          <p:cNvPr id="32" name="组合 31"/>
+          <p:cNvGrpSpPr/>
+          <p:nvPr/>
+        </p:nvGrpSpPr>
+        <p:grpSpPr>
+          <a:xfrm>
+            <a:off x="5875020" y="4238625"/>
+            <a:ext cx="4177030" cy="275590"/>
+            <a:chOff x="3291" y="2178"/>
+            <a:chExt cx="3164" cy="434"/>
+          </a:xfrm>
+        </p:grpSpPr>
+        <p:cxnSp>
+          <p:nvCxnSpPr>
+            <p:cNvPr id="33" name="直接箭头连接符 32"/>
+            <p:cNvCxnSpPr/>
+            <p:nvPr/>
+          </p:nvCxnSpPr>
+          <p:spPr>
+            <a:xfrm>
+              <a:off x="3291" y="2612"/>
+              <a:ext cx="3164" cy="0"/>
+            </a:xfrm>
+            <a:prstGeom prst="straightConnector1">
+              <a:avLst/>
+            </a:prstGeom>
+            <a:ln>
+              <a:solidFill>
+                <a:schemeClr val="tx1"/>
+              </a:solidFill>
+              <a:tailEnd type="triangle"/>
+            </a:ln>
+          </p:spPr>
+          <p:style>
+            <a:lnRef idx="1">
+              <a:schemeClr val="accent1"/>
+            </a:lnRef>
+            <a:fillRef idx="0">
+              <a:schemeClr val="accent1"/>
+            </a:fillRef>
+            <a:effectRef idx="0">
+              <a:schemeClr val="accent1"/>
+            </a:effectRef>
+            <a:fontRef idx="minor">
+              <a:schemeClr val="tx1"/>
+            </a:fontRef>
+          </p:style>
+        </p:cxnSp>
+        <p:sp>
+          <p:nvSpPr>
+            <p:cNvPr id="34" name="文本框 33"/>
+            <p:cNvSpPr txBox="1"/>
+            <p:nvPr/>
+          </p:nvSpPr>
+          <p:spPr>
+            <a:xfrm>
+              <a:off x="4545" y="2178"/>
+              <a:ext cx="1261" cy="434"/>
+            </a:xfrm>
+            <a:prstGeom prst="rect">
+              <a:avLst/>
+            </a:prstGeom>
+            <a:noFill/>
+          </p:spPr>
+          <p:txBody>
+            <a:bodyPr wrap="square" rtlCol="0">
+              <a:spAutoFit/>
+            </a:bodyPr>
+            <a:p>
+              <a:pPr algn="ctr"/>
+              <a:r>
+                <a:rPr lang="en-US" altLang="zh-CN" sz="1200"/>
+                <a:t>commit</a:t>
+              </a:r>
+              <a:endParaRPr lang="en-US" altLang="zh-CN" sz="1200"/>
+            </a:p>
+          </p:txBody>
+        </p:sp>
+      </p:grpSp>
+      <p:grpSp>
+        <p:nvGrpSpPr>
+          <p:cNvPr id="35" name="组合 34"/>
+          <p:cNvGrpSpPr/>
+          <p:nvPr/>
+        </p:nvGrpSpPr>
+        <p:grpSpPr>
+          <a:xfrm>
+            <a:off x="5885180" y="2938780"/>
+            <a:ext cx="2082165" cy="275590"/>
+            <a:chOff x="3291" y="2178"/>
+            <a:chExt cx="3164" cy="434"/>
+          </a:xfrm>
+        </p:grpSpPr>
+        <p:cxnSp>
+          <p:nvCxnSpPr>
+            <p:cNvPr id="36" name="直接箭头连接符 35"/>
+            <p:cNvCxnSpPr/>
+            <p:nvPr/>
+          </p:nvCxnSpPr>
+          <p:spPr>
+            <a:xfrm>
+              <a:off x="3291" y="2612"/>
+              <a:ext cx="3164" cy="0"/>
+            </a:xfrm>
+            <a:prstGeom prst="straightConnector1">
+              <a:avLst/>
+            </a:prstGeom>
+            <a:ln>
+              <a:solidFill>
+                <a:schemeClr val="tx1"/>
+              </a:solidFill>
+              <a:tailEnd type="triangle"/>
+            </a:ln>
+          </p:spPr>
+          <p:style>
+            <a:lnRef idx="1">
+              <a:schemeClr val="accent1"/>
+            </a:lnRef>
+            <a:fillRef idx="0">
+              <a:schemeClr val="accent1"/>
+            </a:fillRef>
+            <a:effectRef idx="0">
+              <a:schemeClr val="accent1"/>
+            </a:effectRef>
+            <a:fontRef idx="minor">
+              <a:schemeClr val="tx1"/>
+            </a:fontRef>
+          </p:style>
+        </p:cxnSp>
+        <p:sp>
+          <p:nvSpPr>
+            <p:cNvPr id="37" name="文本框 36"/>
+            <p:cNvSpPr txBox="1"/>
+            <p:nvPr/>
+          </p:nvSpPr>
+          <p:spPr>
+            <a:xfrm>
+              <a:off x="3893" y="2178"/>
+              <a:ext cx="1971" cy="434"/>
+            </a:xfrm>
+            <a:prstGeom prst="rect">
+              <a:avLst/>
+            </a:prstGeom>
+            <a:noFill/>
+          </p:spPr>
+          <p:txBody>
+            <a:bodyPr wrap="square" rtlCol="0">
+              <a:spAutoFit/>
+            </a:bodyPr>
+            <a:p>
+              <a:pPr algn="ctr"/>
+              <a:r>
+                <a:rPr lang="en-US" altLang="zh-CN" sz="1200"/>
+                <a:t>write@300</a:t>
+              </a:r>
+              <a:endParaRPr lang="en-US" altLang="zh-CN" sz="1200"/>
+            </a:p>
+          </p:txBody>
+        </p:sp>
+      </p:grpSp>
+      <p:grpSp>
+        <p:nvGrpSpPr>
+          <p:cNvPr id="71" name="组合 70"/>
+          <p:cNvGrpSpPr/>
+          <p:nvPr/>
+        </p:nvGrpSpPr>
+        <p:grpSpPr>
+          <a:xfrm>
+            <a:off x="1480820" y="4853940"/>
+            <a:ext cx="9189720" cy="275590"/>
+            <a:chOff x="2385" y="5851"/>
+            <a:chExt cx="14472" cy="434"/>
+          </a:xfrm>
+          <a:solidFill>
+            <a:srgbClr val="FFFDF9"/>
+          </a:solidFill>
+        </p:grpSpPr>
+        <p:cxnSp>
+          <p:nvCxnSpPr>
+            <p:cNvPr id="38" name="直接连接符 37"/>
+            <p:cNvCxnSpPr/>
+            <p:nvPr/>
+          </p:nvCxnSpPr>
+          <p:spPr>
+            <a:xfrm>
+              <a:off x="2385" y="6068"/>
+              <a:ext cx="14472" cy="0"/>
+            </a:xfrm>
+            <a:prstGeom prst="line">
+              <a:avLst/>
+            </a:prstGeom>
+            <a:grpFill/>
+            <a:ln w="19050" cmpd="sng">
+              <a:solidFill>
+                <a:schemeClr val="bg1">
+                  <a:lumMod val="50000"/>
+                </a:schemeClr>
+              </a:solidFill>
+              <a:prstDash val="dash"/>
+            </a:ln>
+          </p:spPr>
+          <p:style>
+            <a:lnRef idx="1">
+              <a:schemeClr val="accent1"/>
+            </a:lnRef>
+            <a:fillRef idx="0">
+              <a:schemeClr val="accent1"/>
+            </a:fillRef>
+            <a:effectRef idx="0">
+              <a:schemeClr val="accent1"/>
+            </a:effectRef>
+            <a:fontRef idx="minor">
+              <a:schemeClr val="tx1"/>
+            </a:fontRef>
+          </p:style>
+        </p:cxnSp>
+        <p:sp>
+          <p:nvSpPr>
+            <p:cNvPr id="70" name="文本框 69"/>
+            <p:cNvSpPr txBox="1"/>
+            <p:nvPr/>
+          </p:nvSpPr>
+          <p:spPr>
+            <a:xfrm>
+              <a:off x="7951" y="5851"/>
+              <a:ext cx="2680" cy="434"/>
+            </a:xfrm>
+            <a:prstGeom prst="rect">
+              <a:avLst/>
+            </a:prstGeom>
+            <a:grpFill/>
+          </p:spPr>
+          <p:txBody>
+            <a:bodyPr wrap="square" rtlCol="0">
+              <a:spAutoFit/>
+            </a:bodyPr>
+            <a:p>
+              <a:pPr algn="ctr"/>
+              <a:r>
+                <a:rPr lang="en-US" altLang="zh-CN" sz="1200"/>
+                <a:t>On-line Backup Taken</a:t>
+              </a:r>
+              <a:endParaRPr lang="en-US" altLang="zh-CN" sz="1200"/>
+            </a:p>
+          </p:txBody>
+        </p:sp>
+      </p:grpSp>
+      <p:grpSp>
+        <p:nvGrpSpPr>
+          <p:cNvPr id="72" name="组合 71"/>
+          <p:cNvGrpSpPr/>
+          <p:nvPr/>
+        </p:nvGrpSpPr>
+        <p:grpSpPr>
+          <a:xfrm>
+            <a:off x="3851275" y="3896360"/>
+            <a:ext cx="6193790" cy="275590"/>
+            <a:chOff x="3291" y="2178"/>
+            <a:chExt cx="3164" cy="434"/>
+          </a:xfrm>
+        </p:grpSpPr>
+        <p:cxnSp>
+          <p:nvCxnSpPr>
+            <p:cNvPr id="73" name="直接箭头连接符 72"/>
+            <p:cNvCxnSpPr/>
+            <p:nvPr/>
+          </p:nvCxnSpPr>
+          <p:spPr>
+            <a:xfrm>
+              <a:off x="3291" y="2612"/>
+              <a:ext cx="3164" cy="0"/>
+            </a:xfrm>
+            <a:prstGeom prst="straightConnector1">
+              <a:avLst/>
+            </a:prstGeom>
+            <a:ln>
+              <a:solidFill>
+                <a:schemeClr val="tx1"/>
+              </a:solidFill>
+              <a:tailEnd type="triangle"/>
+            </a:ln>
+          </p:spPr>
+          <p:style>
+            <a:lnRef idx="1">
+              <a:schemeClr val="accent1"/>
+            </a:lnRef>
+            <a:fillRef idx="0">
+              <a:schemeClr val="accent1"/>
+            </a:fillRef>
+            <a:effectRef idx="0">
+              <a:schemeClr val="accent1"/>
+            </a:effectRef>
+            <a:fontRef idx="minor">
+              <a:schemeClr val="tx1"/>
+            </a:fontRef>
+          </p:style>
+        </p:cxnSp>
+        <p:sp>
+          <p:nvSpPr>
+            <p:cNvPr id="74" name="文本框 73"/>
+            <p:cNvSpPr txBox="1"/>
+            <p:nvPr/>
+          </p:nvSpPr>
+          <p:spPr>
+            <a:xfrm>
+              <a:off x="4545" y="2178"/>
+              <a:ext cx="1261" cy="434"/>
+            </a:xfrm>
+            <a:prstGeom prst="rect">
+              <a:avLst/>
+            </a:prstGeom>
+            <a:noFill/>
+          </p:spPr>
+          <p:txBody>
+            <a:bodyPr wrap="square" rtlCol="0">
+              <a:spAutoFit/>
+            </a:bodyPr>
+            <a:p>
+              <a:pPr algn="ctr"/>
+              <a:r>
+                <a:rPr lang="en-US" altLang="zh-CN" sz="1200"/>
+                <a:t>commit</a:t>
+              </a:r>
+              <a:endParaRPr lang="en-US" altLang="zh-CN" sz="1200"/>
+            </a:p>
+          </p:txBody>
+        </p:sp>
+      </p:grpSp>
+      <p:grpSp>
+        <p:nvGrpSpPr>
+          <p:cNvPr id="75" name="组合 74"/>
+          <p:cNvGrpSpPr/>
+          <p:nvPr/>
+        </p:nvGrpSpPr>
+        <p:grpSpPr>
+          <a:xfrm>
+            <a:off x="3836035" y="2597785"/>
+            <a:ext cx="4131310" cy="275590"/>
+            <a:chOff x="3291" y="2178"/>
+            <a:chExt cx="3164" cy="434"/>
+          </a:xfrm>
+        </p:grpSpPr>
+        <p:cxnSp>
+          <p:nvCxnSpPr>
+            <p:cNvPr id="76" name="直接箭头连接符 75"/>
+            <p:cNvCxnSpPr/>
+            <p:nvPr/>
+          </p:nvCxnSpPr>
+          <p:spPr>
+            <a:xfrm>
+              <a:off x="3291" y="2612"/>
+              <a:ext cx="3164" cy="0"/>
+            </a:xfrm>
+            <a:prstGeom prst="straightConnector1">
+              <a:avLst/>
+            </a:prstGeom>
+            <a:ln>
+              <a:solidFill>
+                <a:schemeClr val="tx1"/>
+              </a:solidFill>
+              <a:tailEnd type="triangle"/>
+            </a:ln>
+          </p:spPr>
+          <p:style>
+            <a:lnRef idx="1">
+              <a:schemeClr val="accent1"/>
+            </a:lnRef>
+            <a:fillRef idx="0">
+              <a:schemeClr val="accent1"/>
+            </a:fillRef>
+            <a:effectRef idx="0">
+              <a:schemeClr val="accent1"/>
+            </a:effectRef>
+            <a:fontRef idx="minor">
+              <a:schemeClr val="tx1"/>
+            </a:fontRef>
+          </p:style>
+        </p:cxnSp>
+        <p:sp>
+          <p:nvSpPr>
+            <p:cNvPr id="77" name="文本框 76"/>
+            <p:cNvSpPr txBox="1"/>
+            <p:nvPr/>
+          </p:nvSpPr>
+          <p:spPr>
+            <a:xfrm>
+              <a:off x="4545" y="2178"/>
+              <a:ext cx="1261" cy="434"/>
+            </a:xfrm>
+            <a:prstGeom prst="rect">
+              <a:avLst/>
+            </a:prstGeom>
+            <a:noFill/>
+          </p:spPr>
+          <p:txBody>
+            <a:bodyPr wrap="square" rtlCol="0">
+              <a:spAutoFit/>
+            </a:bodyPr>
+            <a:p>
+              <a:pPr algn="ctr"/>
+              <a:r>
+                <a:rPr lang="en-US" altLang="zh-CN" sz="1200"/>
+                <a:t>write@200</a:t>
+              </a:r>
+              <a:endParaRPr lang="en-US" altLang="zh-CN" sz="1200"/>
+            </a:p>
+          </p:txBody>
+        </p:sp>
+      </p:grpSp>
+      <p:grpSp>
+        <p:nvGrpSpPr>
+          <p:cNvPr id="78" name="组合 77"/>
+          <p:cNvGrpSpPr/>
+          <p:nvPr/>
+        </p:nvGrpSpPr>
+        <p:grpSpPr>
+          <a:xfrm>
+            <a:off x="1480820" y="3660775"/>
+            <a:ext cx="9189720" cy="275590"/>
+            <a:chOff x="2185" y="5850"/>
+            <a:chExt cx="14472" cy="434"/>
+          </a:xfrm>
+          <a:solidFill>
+            <a:srgbClr val="FFFDF9"/>
+          </a:solidFill>
+        </p:grpSpPr>
+        <p:cxnSp>
+          <p:nvCxnSpPr>
+            <p:cNvPr id="79" name="直接连接符 78"/>
+            <p:cNvCxnSpPr/>
+            <p:nvPr/>
+          </p:nvCxnSpPr>
+          <p:spPr>
+            <a:xfrm>
+              <a:off x="2185" y="6068"/>
+              <a:ext cx="14472" cy="0"/>
+            </a:xfrm>
+            <a:prstGeom prst="line">
+              <a:avLst/>
+            </a:prstGeom>
+            <a:grpFill/>
+            <a:ln w="19050" cmpd="sng">
+              <a:solidFill>
+                <a:schemeClr val="bg1">
+                  <a:lumMod val="50000"/>
+                </a:schemeClr>
+              </a:solidFill>
+              <a:prstDash val="dash"/>
+            </a:ln>
+          </p:spPr>
+          <p:style>
+            <a:lnRef idx="1">
+              <a:schemeClr val="accent1"/>
+            </a:lnRef>
+            <a:fillRef idx="0">
+              <a:schemeClr val="accent1"/>
+            </a:fillRef>
+            <a:effectRef idx="0">
+              <a:schemeClr val="accent1"/>
+            </a:effectRef>
+            <a:fontRef idx="minor">
+              <a:schemeClr val="tx1"/>
+            </a:fontRef>
+          </p:style>
+        </p:cxnSp>
+        <p:sp>
+          <p:nvSpPr>
+            <p:cNvPr id="80" name="文本框 79"/>
+            <p:cNvSpPr txBox="1"/>
+            <p:nvPr/>
+          </p:nvSpPr>
+          <p:spPr>
+            <a:xfrm>
+              <a:off x="8602" y="5850"/>
+              <a:ext cx="1083" cy="434"/>
+            </a:xfrm>
+            <a:prstGeom prst="rect">
+              <a:avLst/>
+            </a:prstGeom>
+            <a:grpFill/>
+          </p:spPr>
+          <p:txBody>
+            <a:bodyPr wrap="square" rtlCol="0">
+              <a:spAutoFit/>
+            </a:bodyPr>
+            <a:p>
+              <a:pPr algn="ctr"/>
+              <a:r>
+                <a:rPr lang="en-US" altLang="zh-CN" sz="1200"/>
+                <a:t>fsync</a:t>
+              </a:r>
+              <a:endParaRPr lang="en-US" altLang="zh-CN" sz="1200"/>
+            </a:p>
+          </p:txBody>
+        </p:sp>
+      </p:grpSp>
+      <p:grpSp>
+        <p:nvGrpSpPr>
+          <p:cNvPr id="84" name="组合 83"/>
+          <p:cNvGrpSpPr/>
+          <p:nvPr/>
+        </p:nvGrpSpPr>
+        <p:grpSpPr>
+          <a:xfrm>
+            <a:off x="1816100" y="5379085"/>
+            <a:ext cx="8227695" cy="275590"/>
+            <a:chOff x="3291" y="2178"/>
+            <a:chExt cx="3164" cy="434"/>
+          </a:xfrm>
+        </p:grpSpPr>
+        <p:cxnSp>
+          <p:nvCxnSpPr>
+            <p:cNvPr id="85" name="直接箭头连接符 84"/>
+            <p:cNvCxnSpPr/>
+            <p:nvPr/>
+          </p:nvCxnSpPr>
+          <p:spPr>
+            <a:xfrm>
+              <a:off x="3291" y="2612"/>
+              <a:ext cx="3164" cy="0"/>
+            </a:xfrm>
+            <a:prstGeom prst="straightConnector1">
+              <a:avLst/>
+            </a:prstGeom>
+            <a:ln>
+              <a:solidFill>
+                <a:schemeClr val="tx1"/>
+              </a:solidFill>
+              <a:tailEnd type="triangle"/>
+            </a:ln>
+          </p:spPr>
+          <p:style>
+            <a:lnRef idx="1">
+              <a:schemeClr val="accent1"/>
+            </a:lnRef>
+            <a:fillRef idx="0">
+              <a:schemeClr val="accent1"/>
+            </a:fillRef>
+            <a:effectRef idx="0">
+              <a:schemeClr val="accent1"/>
+            </a:effectRef>
+            <a:fontRef idx="minor">
+              <a:schemeClr val="tx1"/>
+            </a:fontRef>
+          </p:style>
+        </p:cxnSp>
+        <p:sp>
+          <p:nvSpPr>
+            <p:cNvPr id="86" name="文本框 85"/>
+            <p:cNvSpPr txBox="1"/>
+            <p:nvPr/>
+          </p:nvSpPr>
+          <p:spPr>
+            <a:xfrm>
+              <a:off x="4587" y="2178"/>
+              <a:ext cx="1261" cy="434"/>
+            </a:xfrm>
+            <a:prstGeom prst="rect">
+              <a:avLst/>
+            </a:prstGeom>
+            <a:noFill/>
+          </p:spPr>
+          <p:txBody>
+            <a:bodyPr wrap="square" rtlCol="0">
+              <a:spAutoFit/>
+            </a:bodyPr>
+            <a:p>
+              <a:pPr algn="ctr"/>
+              <a:r>
+                <a:rPr lang="en-US" altLang="zh-CN" sz="1200"/>
+                <a:t>commit</a:t>
+              </a:r>
+              <a:endParaRPr lang="en-US" altLang="zh-CN" sz="1200"/>
+            </a:p>
+          </p:txBody>
+        </p:sp>
+      </p:grpSp>
+    </p:spTree>
+  </p:cSld>
+  <p:clrMapOvr>
+    <a:masterClrMapping/>
+  </p:clrMapOvr>
+</p:sld>
+</file>
+
+<file path=ppt/slides/slide13.xml><?xml version="1.0" encoding="utf-8"?>
+<p:sld xmlns:a="http://schemas.openxmlformats.org/drawingml/2006/main" xmlns:r="http://schemas.openxmlformats.org/officeDocument/2006/relationships" xmlns:p="http://schemas.openxmlformats.org/presentationml/2006/main">
+  <p:cSld>
+    <p:spTree>
+      <p:nvGrpSpPr>
+        <p:cNvPr id="1" name=""/>
+        <p:cNvGrpSpPr/>
+        <p:nvPr/>
+      </p:nvGrpSpPr>
+      <p:grpSpPr/>
     </p:spTree>
   </p:cSld>
   <p:clrMapOvr>
